--- a/Oop - Blockchain.pptx
+++ b/Oop - Blockchain.pptx
@@ -205,7 +205,7 @@
           <a:p>
             <a:fld id="{0BC1E707-2279-4807-9F4F-7AF37C8D9293}" type="datetimeFigureOut">
               <a:rPr lang="en-US" smtClean="0"/>
-              <a:t>4/13/2020</a:t>
+              <a:t>4/14/2020</a:t>
             </a:fld>
             <a:endParaRPr lang="en-US"/>
           </a:p>
@@ -1621,7 +1621,7 @@
           <a:p>
             <a:fld id="{41F5F13E-69FB-415A-A738-CD2CF813A121}" type="datetimeFigureOut">
               <a:rPr lang="en-US" smtClean="0"/>
-              <a:t>4/13/2020</a:t>
+              <a:t>4/14/2020</a:t>
             </a:fld>
             <a:endParaRPr lang="en-US"/>
           </a:p>
@@ -1819,7 +1819,7 @@
           <a:p>
             <a:fld id="{41F5F13E-69FB-415A-A738-CD2CF813A121}" type="datetimeFigureOut">
               <a:rPr lang="en-US" smtClean="0"/>
-              <a:t>4/13/2020</a:t>
+              <a:t>4/14/2020</a:t>
             </a:fld>
             <a:endParaRPr lang="en-US"/>
           </a:p>
@@ -2027,7 +2027,7 @@
           <a:p>
             <a:fld id="{41F5F13E-69FB-415A-A738-CD2CF813A121}" type="datetimeFigureOut">
               <a:rPr lang="en-US" smtClean="0"/>
-              <a:t>4/13/2020</a:t>
+              <a:t>4/14/2020</a:t>
             </a:fld>
             <a:endParaRPr lang="en-US"/>
           </a:p>
@@ -2225,7 +2225,7 @@
           <a:p>
             <a:fld id="{41F5F13E-69FB-415A-A738-CD2CF813A121}" type="datetimeFigureOut">
               <a:rPr lang="en-US" smtClean="0"/>
-              <a:t>4/13/2020</a:t>
+              <a:t>4/14/2020</a:t>
             </a:fld>
             <a:endParaRPr lang="en-US"/>
           </a:p>
@@ -2500,7 +2500,7 @@
           <a:p>
             <a:fld id="{41F5F13E-69FB-415A-A738-CD2CF813A121}" type="datetimeFigureOut">
               <a:rPr lang="en-US" smtClean="0"/>
-              <a:t>4/13/2020</a:t>
+              <a:t>4/14/2020</a:t>
             </a:fld>
             <a:endParaRPr lang="en-US"/>
           </a:p>
@@ -2765,7 +2765,7 @@
           <a:p>
             <a:fld id="{41F5F13E-69FB-415A-A738-CD2CF813A121}" type="datetimeFigureOut">
               <a:rPr lang="en-US" smtClean="0"/>
-              <a:t>4/13/2020</a:t>
+              <a:t>4/14/2020</a:t>
             </a:fld>
             <a:endParaRPr lang="en-US"/>
           </a:p>
@@ -3177,7 +3177,7 @@
           <a:p>
             <a:fld id="{41F5F13E-69FB-415A-A738-CD2CF813A121}" type="datetimeFigureOut">
               <a:rPr lang="en-US" smtClean="0"/>
-              <a:t>4/13/2020</a:t>
+              <a:t>4/14/2020</a:t>
             </a:fld>
             <a:endParaRPr lang="en-US"/>
           </a:p>
@@ -3318,7 +3318,7 @@
           <a:p>
             <a:fld id="{41F5F13E-69FB-415A-A738-CD2CF813A121}" type="datetimeFigureOut">
               <a:rPr lang="en-US" smtClean="0"/>
-              <a:t>4/13/2020</a:t>
+              <a:t>4/14/2020</a:t>
             </a:fld>
             <a:endParaRPr lang="en-US"/>
           </a:p>
@@ -3431,7 +3431,7 @@
           <a:p>
             <a:fld id="{41F5F13E-69FB-415A-A738-CD2CF813A121}" type="datetimeFigureOut">
               <a:rPr lang="en-US" smtClean="0"/>
-              <a:t>4/13/2020</a:t>
+              <a:t>4/14/2020</a:t>
             </a:fld>
             <a:endParaRPr lang="en-US"/>
           </a:p>
@@ -3742,7 +3742,7 @@
           <a:p>
             <a:fld id="{41F5F13E-69FB-415A-A738-CD2CF813A121}" type="datetimeFigureOut">
               <a:rPr lang="en-US" smtClean="0"/>
-              <a:t>4/13/2020</a:t>
+              <a:t>4/14/2020</a:t>
             </a:fld>
             <a:endParaRPr lang="en-US"/>
           </a:p>
@@ -4030,7 +4030,7 @@
           <a:p>
             <a:fld id="{41F5F13E-69FB-415A-A738-CD2CF813A121}" type="datetimeFigureOut">
               <a:rPr lang="en-US" smtClean="0"/>
-              <a:t>4/13/2020</a:t>
+              <a:t>4/14/2020</a:t>
             </a:fld>
             <a:endParaRPr lang="en-US"/>
           </a:p>
@@ -4271,7 +4271,7 @@
           <a:p>
             <a:fld id="{41F5F13E-69FB-415A-A738-CD2CF813A121}" type="datetimeFigureOut">
               <a:rPr lang="en-US" smtClean="0"/>
-              <a:t>4/13/2020</a:t>
+              <a:t>4/14/2020</a:t>
             </a:fld>
             <a:endParaRPr lang="en-US"/>
           </a:p>
@@ -7876,10 +7876,10 @@
       </p:sp>
       <p:pic>
         <p:nvPicPr>
-          <p:cNvPr id="30" name="Picture 29" descr="A screenshot of a social media post&#10;&#10;Description automatically generated">
-            <a:extLst>
-              <a:ext uri="{FF2B5EF4-FFF2-40B4-BE49-F238E27FC236}">
-                <a16:creationId xmlns:a16="http://schemas.microsoft.com/office/drawing/2014/main" id="{D2EBF256-D0E5-4A19-9DD6-2E10B1E28B45}"/>
+          <p:cNvPr id="3" name="Picture 2" descr="A screenshot of a social media post&#10;&#10;Description automatically generated">
+            <a:extLst>
+              <a:ext uri="{FF2B5EF4-FFF2-40B4-BE49-F238E27FC236}">
+                <a16:creationId xmlns:a16="http://schemas.microsoft.com/office/drawing/2014/main" id="{F1E8E814-CE3F-4E32-AC98-0BEBA13453A4}"/>
               </a:ext>
             </a:extLst>
           </p:cNvPr>
@@ -7888,7 +7888,7 @@
           </p:cNvPicPr>
           <p:nvPr/>
         </p:nvPicPr>
-        <p:blipFill rotWithShape="1">
+        <p:blipFill>
           <a:blip r:embed="rId6">
             <a:extLst>
               <a:ext uri="{28A0092B-C50C-407E-A947-70E740481C1C}">
@@ -7896,13 +7896,14 @@
               </a:ext>
             </a:extLst>
           </a:blip>
-          <a:srcRect t="7163" b="10234"/>
-          <a:stretch/>
+          <a:stretch>
+            <a:fillRect/>
+          </a:stretch>
         </p:blipFill>
         <p:spPr>
           <a:xfrm>
-            <a:off x="2362615" y="3951925"/>
-            <a:ext cx="7567756" cy="1803400"/>
+            <a:off x="1575578" y="4007310"/>
+            <a:ext cx="9296400" cy="2000250"/>
           </a:xfrm>
           <a:prstGeom prst="rect">
             <a:avLst/>
@@ -15342,125 +15343,6 @@
       </p:sp>
       <p:sp>
         <p:nvSpPr>
-          <p:cNvPr id="53" name="TextBox 52">
-            <a:extLst>
-              <a:ext uri="{FF2B5EF4-FFF2-40B4-BE49-F238E27FC236}">
-                <a16:creationId xmlns:a16="http://schemas.microsoft.com/office/drawing/2014/main" id="{44DB4B92-15D5-4A54-B7D9-9DBF6F5F5FF6}"/>
-              </a:ext>
-            </a:extLst>
-          </p:cNvPr>
-          <p:cNvSpPr txBox="1"/>
-          <p:nvPr/>
-        </p:nvSpPr>
-        <p:spPr>
-          <a:xfrm>
-            <a:off x="133349" y="4225120"/>
-            <a:ext cx="11925300" cy="461665"/>
-          </a:xfrm>
-          <a:prstGeom prst="rect">
-            <a:avLst/>
-          </a:prstGeom>
-          <a:noFill/>
-        </p:spPr>
-        <p:txBody>
-          <a:bodyPr wrap="square" rtlCol="0">
-            <a:spAutoFit/>
-          </a:bodyPr>
-          <a:lstStyle/>
-          <a:p>
-            <a:pPr marL="457200" indent="-457200"/>
-            <a:r>
-              <a:rPr lang="en-US" sz="1200" dirty="0" err="1">
-                <a:solidFill>
-                  <a:schemeClr val="bg1"/>
-                </a:solidFill>
-              </a:rPr>
-              <a:t>Xiwei</a:t>
-            </a:r>
-            <a:r>
-              <a:rPr lang="en-US" sz="1200" dirty="0">
-                <a:solidFill>
-                  <a:schemeClr val="bg1"/>
-                </a:solidFill>
-              </a:rPr>
-              <a:t> Xu, Cesare </a:t>
-            </a:r>
-            <a:r>
-              <a:rPr lang="en-US" sz="1200" dirty="0" err="1">
-                <a:solidFill>
-                  <a:schemeClr val="bg1"/>
-                </a:solidFill>
-              </a:rPr>
-              <a:t>Pautasso</a:t>
-            </a:r>
-            <a:r>
-              <a:rPr lang="en-US" sz="1200" dirty="0">
-                <a:solidFill>
-                  <a:schemeClr val="bg1"/>
-                </a:solidFill>
-              </a:rPr>
-              <a:t>, Liming Zhu, </a:t>
-            </a:r>
-            <a:r>
-              <a:rPr lang="en-US" sz="1200" dirty="0" err="1">
-                <a:solidFill>
-                  <a:schemeClr val="bg1"/>
-                </a:solidFill>
-              </a:rPr>
-              <a:t>Qinghua</a:t>
-            </a:r>
-            <a:r>
-              <a:rPr lang="en-US" sz="1200" dirty="0">
-                <a:solidFill>
-                  <a:schemeClr val="bg1"/>
-                </a:solidFill>
-              </a:rPr>
-              <a:t> Lu, and Ingo Weber. 2018. A Pattern Collection for Blockchain-based Applications. In 23rd European Conference on Pattern Languages of Programs (</a:t>
-            </a:r>
-            <a:r>
-              <a:rPr lang="en-US" sz="1200" dirty="0" err="1">
-                <a:solidFill>
-                  <a:schemeClr val="bg1"/>
-                </a:solidFill>
-              </a:rPr>
-              <a:t>EuroPLoP</a:t>
-            </a:r>
-            <a:r>
-              <a:rPr lang="en-US" sz="1200" dirty="0">
-                <a:solidFill>
-                  <a:schemeClr val="bg1"/>
-                </a:solidFill>
-              </a:rPr>
-              <a:t> ’18), July 4–8, 2018, </a:t>
-            </a:r>
-            <a:r>
-              <a:rPr lang="en-US" sz="1200" dirty="0" err="1">
-                <a:solidFill>
-                  <a:schemeClr val="bg1"/>
-                </a:solidFill>
-              </a:rPr>
-              <a:t>Irsee</a:t>
-            </a:r>
-            <a:r>
-              <a:rPr lang="en-US" sz="1200" dirty="0">
-                <a:solidFill>
-                  <a:schemeClr val="bg1"/>
-                </a:solidFill>
-              </a:rPr>
-              <a:t>, Germany. ACM, New York, NY, USA, 20 pages. https://doi.org/10.1145/ 3282308.3282312 </a:t>
-            </a:r>
-            <a:endParaRPr lang="en-US" sz="1200" dirty="0">
-              <a:solidFill>
-                <a:schemeClr val="bg1"/>
-              </a:solidFill>
-              <a:latin typeface="+mj-lt"/>
-              <a:cs typeface="Aharoni" panose="020B0604020202020204" pitchFamily="2" charset="-79"/>
-            </a:endParaRPr>
-          </a:p>
-        </p:txBody>
-      </p:sp>
-      <p:sp>
-        <p:nvSpPr>
           <p:cNvPr id="28" name="Rectangle 27">
             <a:extLst>
               <a:ext uri="{FF2B5EF4-FFF2-40B4-BE49-F238E27FC236}">
@@ -15593,10 +15475,10 @@
       </p:sp>
       <p:sp>
         <p:nvSpPr>
-          <p:cNvPr id="31" name="Rectangle 30">
-            <a:extLst>
-              <a:ext uri="{FF2B5EF4-FFF2-40B4-BE49-F238E27FC236}">
-                <a16:creationId xmlns:a16="http://schemas.microsoft.com/office/drawing/2014/main" id="{010E2E98-29C7-4133-86B7-2FF67084B148}"/>
+          <p:cNvPr id="32" name="Rectangle 31">
+            <a:extLst>
+              <a:ext uri="{FF2B5EF4-FFF2-40B4-BE49-F238E27FC236}">
+                <a16:creationId xmlns:a16="http://schemas.microsoft.com/office/drawing/2014/main" id="{CD9E83B5-5D60-43F4-A195-E923EC95C086}"/>
               </a:ext>
             </a:extLst>
           </p:cNvPr>
@@ -15604,9 +15486,9 @@
           <p:nvPr/>
         </p:nvSpPr>
         <p:spPr>
-          <a:xfrm rot="2830500">
-            <a:off x="8984457" y="4814068"/>
-            <a:ext cx="76220" cy="2540369"/>
+          <a:xfrm rot="2842920">
+            <a:off x="10376037" y="4017972"/>
+            <a:ext cx="76220" cy="3451617"/>
           </a:xfrm>
           <a:prstGeom prst="rect">
             <a:avLst/>
@@ -15659,10 +15541,10 @@
       </p:sp>
       <p:sp>
         <p:nvSpPr>
-          <p:cNvPr id="32" name="Rectangle 31">
-            <a:extLst>
-              <a:ext uri="{FF2B5EF4-FFF2-40B4-BE49-F238E27FC236}">
-                <a16:creationId xmlns:a16="http://schemas.microsoft.com/office/drawing/2014/main" id="{CD9E83B5-5D60-43F4-A195-E923EC95C086}"/>
+          <p:cNvPr id="31" name="Rectangle 30">
+            <a:extLst>
+              <a:ext uri="{FF2B5EF4-FFF2-40B4-BE49-F238E27FC236}">
+                <a16:creationId xmlns:a16="http://schemas.microsoft.com/office/drawing/2014/main" id="{010E2E98-29C7-4133-86B7-2FF67084B148}"/>
               </a:ext>
             </a:extLst>
           </p:cNvPr>
@@ -15670,9 +15552,9 @@
           <p:nvPr/>
         </p:nvSpPr>
         <p:spPr>
-          <a:xfrm rot="2842920">
-            <a:off x="10376037" y="4017972"/>
-            <a:ext cx="76220" cy="3451617"/>
+          <a:xfrm rot="2830500">
+            <a:off x="8984457" y="4814068"/>
+            <a:ext cx="76220" cy="2540369"/>
           </a:xfrm>
           <a:prstGeom prst="rect">
             <a:avLst/>
@@ -15737,7 +15619,7 @@
         </p:nvSpPr>
         <p:spPr>
           <a:xfrm>
-            <a:off x="133349" y="3096983"/>
+            <a:off x="133349" y="2743003"/>
             <a:ext cx="11925300" cy="461665"/>
           </a:xfrm>
           <a:prstGeom prst="rect">
@@ -15784,7 +15666,7 @@
         </p:nvSpPr>
         <p:spPr>
           <a:xfrm>
-            <a:off x="133349" y="3763455"/>
+            <a:off x="146613" y="4119109"/>
             <a:ext cx="11925300" cy="461665"/>
           </a:xfrm>
           <a:prstGeom prst="rect">
@@ -15834,7 +15716,7 @@
         </p:nvSpPr>
         <p:spPr>
           <a:xfrm>
-            <a:off x="133349" y="5072096"/>
+            <a:off x="133349" y="5899443"/>
             <a:ext cx="11925300" cy="276999"/>
           </a:xfrm>
           <a:prstGeom prst="rect">
@@ -15856,6 +15738,282 @@
                 </a:solidFill>
               </a:rPr>
               <a:t>Image Source: https://wallup.net/cyberpunk-cityscape-city-skyscraper-building-futuristic-futuristic-city-lights-night-metropolis-digital-art-advertisements-street-light-street/</a:t>
+            </a:r>
+            <a:endParaRPr lang="en-US" sz="1200" dirty="0">
+              <a:solidFill>
+                <a:schemeClr val="bg1"/>
+              </a:solidFill>
+              <a:latin typeface="+mj-lt"/>
+              <a:cs typeface="Aharoni" panose="020B0604020202020204" pitchFamily="2" charset="-79"/>
+            </a:endParaRPr>
+          </a:p>
+        </p:txBody>
+      </p:sp>
+      <p:sp>
+        <p:nvSpPr>
+          <p:cNvPr id="16" name="TextBox 15">
+            <a:extLst>
+              <a:ext uri="{FF2B5EF4-FFF2-40B4-BE49-F238E27FC236}">
+                <a16:creationId xmlns:a16="http://schemas.microsoft.com/office/drawing/2014/main" id="{039B0C97-DEAF-454E-A86D-B8678CE63B4B}"/>
+              </a:ext>
+            </a:extLst>
+          </p:cNvPr>
+          <p:cNvSpPr txBox="1"/>
+          <p:nvPr/>
+        </p:nvSpPr>
+        <p:spPr>
+          <a:xfrm>
+            <a:off x="206656" y="2387976"/>
+            <a:ext cx="11925300" cy="276999"/>
+          </a:xfrm>
+          <a:prstGeom prst="rect">
+            <a:avLst/>
+          </a:prstGeom>
+          <a:noFill/>
+        </p:spPr>
+        <p:txBody>
+          <a:bodyPr wrap="square" rtlCol="0">
+            <a:spAutoFit/>
+          </a:bodyPr>
+          <a:lstStyle/>
+          <a:p>
+            <a:pPr marL="457200" indent="-457200"/>
+            <a:r>
+              <a:rPr lang="en-US" sz="1200" dirty="0">
+                <a:solidFill>
+                  <a:schemeClr val="bg1"/>
+                </a:solidFill>
+              </a:rPr>
+              <a:t>Au, E. (2019, December 27). Building a Minimal Blockchain in Python. Retrieved April 12, 2020, from https://towardsdatascience.com/building-a-minimal-blockchain-in-python-4f2e9934101d</a:t>
+            </a:r>
+            <a:endParaRPr lang="en-US" sz="1200" dirty="0">
+              <a:solidFill>
+                <a:schemeClr val="bg1"/>
+              </a:solidFill>
+              <a:latin typeface="+mj-lt"/>
+              <a:cs typeface="Aharoni" panose="020B0604020202020204" pitchFamily="2" charset="-79"/>
+            </a:endParaRPr>
+          </a:p>
+        </p:txBody>
+      </p:sp>
+      <p:sp>
+        <p:nvSpPr>
+          <p:cNvPr id="17" name="TextBox 16">
+            <a:extLst>
+              <a:ext uri="{FF2B5EF4-FFF2-40B4-BE49-F238E27FC236}">
+                <a16:creationId xmlns:a16="http://schemas.microsoft.com/office/drawing/2014/main" id="{547E5290-D786-4385-A29A-DA2916B94427}"/>
+              </a:ext>
+            </a:extLst>
+          </p:cNvPr>
+          <p:cNvSpPr txBox="1"/>
+          <p:nvPr/>
+        </p:nvSpPr>
+        <p:spPr>
+          <a:xfrm>
+            <a:off x="206656" y="3309388"/>
+            <a:ext cx="11925300" cy="276999"/>
+          </a:xfrm>
+          <a:prstGeom prst="rect">
+            <a:avLst/>
+          </a:prstGeom>
+          <a:noFill/>
+        </p:spPr>
+        <p:txBody>
+          <a:bodyPr wrap="square" rtlCol="0">
+            <a:spAutoFit/>
+          </a:bodyPr>
+          <a:lstStyle/>
+          <a:p>
+            <a:pPr marL="457200" indent="-457200"/>
+            <a:r>
+              <a:rPr lang="en-US" sz="1200" dirty="0" err="1">
+                <a:solidFill>
+                  <a:schemeClr val="bg1"/>
+                </a:solidFill>
+              </a:rPr>
+              <a:t>Flymen</a:t>
+            </a:r>
+            <a:r>
+              <a:rPr lang="en-US" sz="1200" dirty="0">
+                <a:solidFill>
+                  <a:schemeClr val="bg1"/>
+                </a:solidFill>
+              </a:rPr>
+              <a:t>, D. (2020, January 17). Learn Blockchain by Building One. Retrieved from https://hackernoon.com/learn-blockchains-by-building-one-117428612f46</a:t>
+            </a:r>
+            <a:endParaRPr lang="en-US" sz="1200" dirty="0">
+              <a:solidFill>
+                <a:schemeClr val="bg1"/>
+              </a:solidFill>
+              <a:latin typeface="+mj-lt"/>
+              <a:cs typeface="Aharoni" panose="020B0604020202020204" pitchFamily="2" charset="-79"/>
+            </a:endParaRPr>
+          </a:p>
+        </p:txBody>
+      </p:sp>
+      <p:sp>
+        <p:nvSpPr>
+          <p:cNvPr id="18" name="TextBox 17">
+            <a:extLst>
+              <a:ext uri="{FF2B5EF4-FFF2-40B4-BE49-F238E27FC236}">
+                <a16:creationId xmlns:a16="http://schemas.microsoft.com/office/drawing/2014/main" id="{1B56EE92-A9E1-47E3-B5AF-06A84B94D191}"/>
+              </a:ext>
+            </a:extLst>
+          </p:cNvPr>
+          <p:cNvSpPr txBox="1"/>
+          <p:nvPr/>
+        </p:nvSpPr>
+        <p:spPr>
+          <a:xfrm>
+            <a:off x="206656" y="3665594"/>
+            <a:ext cx="11925300" cy="461665"/>
+          </a:xfrm>
+          <a:prstGeom prst="rect">
+            <a:avLst/>
+          </a:prstGeom>
+          <a:noFill/>
+        </p:spPr>
+        <p:txBody>
+          <a:bodyPr wrap="square" rtlCol="0">
+            <a:spAutoFit/>
+          </a:bodyPr>
+          <a:lstStyle/>
+          <a:p>
+            <a:pPr marL="457200" indent="-457200"/>
+            <a:r>
+              <a:rPr lang="en-US" sz="1200" dirty="0" err="1">
+                <a:solidFill>
+                  <a:schemeClr val="bg1"/>
+                </a:solidFill>
+              </a:rPr>
+              <a:t>Kansal</a:t>
+            </a:r>
+            <a:r>
+              <a:rPr lang="en-US" sz="1200" dirty="0">
+                <a:solidFill>
+                  <a:schemeClr val="bg1"/>
+                </a:solidFill>
+              </a:rPr>
+              <a:t>, S. (2020, January 29). Develop a blockchain application from scratch in Python. Retrieved April 12, 2020, from https://developer.ibm.com/technologies/blockchain/tutorials/develop-a-blockchain-application-from-scratch-in-python/</a:t>
+            </a:r>
+            <a:endParaRPr lang="en-US" sz="1200" dirty="0">
+              <a:solidFill>
+                <a:schemeClr val="bg1"/>
+              </a:solidFill>
+              <a:latin typeface="+mj-lt"/>
+              <a:cs typeface="Aharoni" panose="020B0604020202020204" pitchFamily="2" charset="-79"/>
+            </a:endParaRPr>
+          </a:p>
+        </p:txBody>
+      </p:sp>
+      <p:sp>
+        <p:nvSpPr>
+          <p:cNvPr id="53" name="TextBox 52">
+            <a:extLst>
+              <a:ext uri="{FF2B5EF4-FFF2-40B4-BE49-F238E27FC236}">
+                <a16:creationId xmlns:a16="http://schemas.microsoft.com/office/drawing/2014/main" id="{44DB4B92-15D5-4A54-B7D9-9DBF6F5F5FF6}"/>
+              </a:ext>
+            </a:extLst>
+          </p:cNvPr>
+          <p:cNvSpPr txBox="1"/>
+          <p:nvPr/>
+        </p:nvSpPr>
+        <p:spPr>
+          <a:xfrm>
+            <a:off x="146613" y="4478568"/>
+            <a:ext cx="11925300" cy="461665"/>
+          </a:xfrm>
+          <a:prstGeom prst="rect">
+            <a:avLst/>
+          </a:prstGeom>
+          <a:noFill/>
+        </p:spPr>
+        <p:txBody>
+          <a:bodyPr wrap="square" rtlCol="0">
+            <a:spAutoFit/>
+          </a:bodyPr>
+          <a:lstStyle/>
+          <a:p>
+            <a:pPr marL="457200" indent="-457200"/>
+            <a:r>
+              <a:rPr lang="en-US" sz="1200" dirty="0" err="1">
+                <a:solidFill>
+                  <a:schemeClr val="bg1"/>
+                </a:solidFill>
+              </a:rPr>
+              <a:t>Xiwei</a:t>
+            </a:r>
+            <a:r>
+              <a:rPr lang="en-US" sz="1200" dirty="0">
+                <a:solidFill>
+                  <a:schemeClr val="bg1"/>
+                </a:solidFill>
+              </a:rPr>
+              <a:t> Xu, Cesare </a:t>
+            </a:r>
+            <a:r>
+              <a:rPr lang="en-US" sz="1200" dirty="0" err="1">
+                <a:solidFill>
+                  <a:schemeClr val="bg1"/>
+                </a:solidFill>
+              </a:rPr>
+              <a:t>Pautasso</a:t>
+            </a:r>
+            <a:r>
+              <a:rPr lang="en-US" sz="1200" dirty="0">
+                <a:solidFill>
+                  <a:schemeClr val="bg1"/>
+                </a:solidFill>
+              </a:rPr>
+              <a:t>, Liming Zhu, </a:t>
+            </a:r>
+            <a:r>
+              <a:rPr lang="en-US" sz="1200" dirty="0" err="1">
+                <a:solidFill>
+                  <a:schemeClr val="bg1"/>
+                </a:solidFill>
+              </a:rPr>
+              <a:t>Qinghua</a:t>
+            </a:r>
+            <a:r>
+              <a:rPr lang="en-US" sz="1200" dirty="0">
+                <a:solidFill>
+                  <a:schemeClr val="bg1"/>
+                </a:solidFill>
+              </a:rPr>
+              <a:t> Lu, and Ingo Weber. 2018. A Pattern Collection for Blockchain-based Applications. In 23rd European Conference on Pattern Languages of Programs (</a:t>
+            </a:r>
+            <a:r>
+              <a:rPr lang="en-US" sz="1200" dirty="0" err="1">
+                <a:solidFill>
+                  <a:schemeClr val="bg1"/>
+                </a:solidFill>
+              </a:rPr>
+              <a:t>EuroPLoP</a:t>
+            </a:r>
+            <a:r>
+              <a:rPr lang="en-US" sz="1200" dirty="0">
+                <a:solidFill>
+                  <a:schemeClr val="bg1"/>
+                </a:solidFill>
+              </a:rPr>
+              <a:t> ’18), July 4–8, 2018, </a:t>
+            </a:r>
+            <a:r>
+              <a:rPr lang="en-US" sz="1200" dirty="0" err="1">
+                <a:solidFill>
+                  <a:schemeClr val="bg1"/>
+                </a:solidFill>
+              </a:rPr>
+              <a:t>Irsee</a:t>
+            </a:r>
+            <a:r>
+              <a:rPr lang="en-US" sz="1200" dirty="0">
+                <a:solidFill>
+                  <a:schemeClr val="bg1"/>
+                </a:solidFill>
+              </a:rPr>
+              <a:t>, Germany. ACM, New York, NY, USA, 20 pages. https://doi.org/10.1145/ 3282308.3282312 </a:t>
             </a:r>
             <a:endParaRPr lang="en-US" sz="1200" dirty="0">
               <a:solidFill>
@@ -16471,21 +16629,6 @@
 </file>
 
 <file path=customXml/item1.xml><?xml version="1.0" encoding="utf-8"?>
-<p:properties xmlns:p="http://schemas.microsoft.com/office/2006/metadata/properties" xmlns:xsi="http://www.w3.org/2001/XMLSchema-instance" xmlns:pc="http://schemas.microsoft.com/office/infopath/2007/PartnerControls">
-  <documentManagement/>
-</p:properties>
-</file>
-
-<file path=customXml/item2.xml><?xml version="1.0" encoding="utf-8"?>
-<?mso-contentType ?>
-<FormTemplates xmlns="http://schemas.microsoft.com/sharepoint/v3/contenttype/forms">
-  <Display>DocumentLibraryForm</Display>
-  <Edit>DocumentLibraryForm</Edit>
-  <New>DocumentLibraryForm</New>
-</FormTemplates>
-</file>
-
-<file path=customXml/item3.xml><?xml version="1.0" encoding="utf-8"?>
 <ct:contentTypeSchema xmlns:ct="http://schemas.microsoft.com/office/2006/metadata/contentType" xmlns:ma="http://schemas.microsoft.com/office/2006/metadata/properties/metaAttributes" ct:_="" ma:_="" ma:contentTypeName="Document" ma:contentTypeID="0x0101006932AB7F8DB62149971C9BD24F2233D6" ma:contentTypeVersion="0" ma:contentTypeDescription="Create a new document." ma:contentTypeScope="" ma:versionID="e4fa24c86faf14179a4809fb159f33b7">
   <xsd:schema xmlns:xsd="http://www.w3.org/2001/XMLSchema" xmlns:xs="http://www.w3.org/2001/XMLSchema" xmlns:p="http://schemas.microsoft.com/office/2006/metadata/properties" targetNamespace="http://schemas.microsoft.com/office/2006/metadata/properties" ma:root="true" ma:fieldsID="49ace4df76505305a0e8be2731bf4bf7">
     <xsd:element name="properties">
@@ -16599,17 +16742,33 @@
 </ct:contentTypeSchema>
 </file>
 
+<file path=customXml/item2.xml><?xml version="1.0" encoding="utf-8"?>
+<?mso-contentType ?>
+<FormTemplates xmlns="http://schemas.microsoft.com/sharepoint/v3/contenttype/forms">
+  <Display>DocumentLibraryForm</Display>
+  <Edit>DocumentLibraryForm</Edit>
+  <New>DocumentLibraryForm</New>
+</FormTemplates>
+</file>
+
+<file path=customXml/item3.xml><?xml version="1.0" encoding="utf-8"?>
+<p:properties xmlns:p="http://schemas.microsoft.com/office/2006/metadata/properties" xmlns:xsi="http://www.w3.org/2001/XMLSchema-instance" xmlns:pc="http://schemas.microsoft.com/office/infopath/2007/PartnerControls">
+  <documentManagement/>
+</p:properties>
+</file>
+
 <file path=customXml/itemProps1.xml><?xml version="1.0" encoding="utf-8"?>
-<ds:datastoreItem xmlns:ds="http://schemas.openxmlformats.org/officeDocument/2006/customXml" ds:itemID="{6E723DE4-9FA6-4DB5-93AD-9F9ABAD5613D}">
+<ds:datastoreItem xmlns:ds="http://schemas.openxmlformats.org/officeDocument/2006/customXml" ds:itemID="{7E6E3862-6326-48FE-A516-7AAFB374A3B1}">
   <ds:schemaRefs>
-    <ds:schemaRef ds:uri="http://schemas.microsoft.com/office/2006/documentManagement/types"/>
+    <ds:schemaRef ds:uri="http://schemas.microsoft.com/office/2006/metadata/contentType"/>
+    <ds:schemaRef ds:uri="http://schemas.microsoft.com/office/2006/metadata/properties/metaAttributes"/>
+    <ds:schemaRef ds:uri="http://www.w3.org/2001/XMLSchema"/>
+    <ds:schemaRef ds:uri="http://schemas.microsoft.com/office/2006/metadata/properties"/>
+    <ds:schemaRef ds:uri="http://schemas.openxmlformats.org/package/2006/metadata/core-properties"/>
+    <ds:schemaRef ds:uri="http://purl.org/dc/elements/1.1/"/>
+    <ds:schemaRef ds:uri="http://purl.org/dc/terms/"/>
+    <ds:schemaRef ds:uri="http://schemas.microsoft.com/internal/obd"/>
     <ds:schemaRef ds:uri="http://schemas.microsoft.com/office/infopath/2007/PartnerControls"/>
-    <ds:schemaRef ds:uri="http://purl.org/dc/elements/1.1/"/>
-    <ds:schemaRef ds:uri="http://schemas.microsoft.com/office/2006/metadata/properties"/>
-    <ds:schemaRef ds:uri="http://purl.org/dc/terms/"/>
-    <ds:schemaRef ds:uri="http://schemas.openxmlformats.org/package/2006/metadata/core-properties"/>
-    <ds:schemaRef ds:uri="http://www.w3.org/XML/1998/namespace"/>
-    <ds:schemaRef ds:uri="http://purl.org/dc/dcmitype/"/>
   </ds:schemaRefs>
 </ds:datastoreItem>
 </file>
@@ -16623,17 +16782,16 @@
 </file>
 
 <file path=customXml/itemProps3.xml><?xml version="1.0" encoding="utf-8"?>
-<ds:datastoreItem xmlns:ds="http://schemas.openxmlformats.org/officeDocument/2006/customXml" ds:itemID="{7E6E3862-6326-48FE-A516-7AAFB374A3B1}">
+<ds:datastoreItem xmlns:ds="http://schemas.openxmlformats.org/officeDocument/2006/customXml" ds:itemID="{6E723DE4-9FA6-4DB5-93AD-9F9ABAD5613D}">
   <ds:schemaRefs>
-    <ds:schemaRef ds:uri="http://schemas.microsoft.com/office/2006/metadata/contentType"/>
-    <ds:schemaRef ds:uri="http://schemas.microsoft.com/office/2006/metadata/properties/metaAttributes"/>
-    <ds:schemaRef ds:uri="http://www.w3.org/2001/XMLSchema"/>
+    <ds:schemaRef ds:uri="http://schemas.microsoft.com/office/2006/documentManagement/types"/>
+    <ds:schemaRef ds:uri="http://schemas.microsoft.com/office/infopath/2007/PartnerControls"/>
+    <ds:schemaRef ds:uri="http://purl.org/dc/elements/1.1/"/>
     <ds:schemaRef ds:uri="http://schemas.microsoft.com/office/2006/metadata/properties"/>
+    <ds:schemaRef ds:uri="http://purl.org/dc/terms/"/>
     <ds:schemaRef ds:uri="http://schemas.openxmlformats.org/package/2006/metadata/core-properties"/>
-    <ds:schemaRef ds:uri="http://purl.org/dc/elements/1.1/"/>
-    <ds:schemaRef ds:uri="http://purl.org/dc/terms/"/>
-    <ds:schemaRef ds:uri="http://schemas.microsoft.com/internal/obd"/>
-    <ds:schemaRef ds:uri="http://schemas.microsoft.com/office/infopath/2007/PartnerControls"/>
+    <ds:schemaRef ds:uri="http://www.w3.org/XML/1998/namespace"/>
+    <ds:schemaRef ds:uri="http://purl.org/dc/dcmitype/"/>
   </ds:schemaRefs>
 </ds:datastoreItem>
 </file>